--- a/images/events/pop-up/templates-teasrer.pptx
+++ b/images/events/pop-up/templates-teasrer.pptx
@@ -6,6 +6,7 @@
   </p:sldMasterIdLst>
   <p:sldIdLst>
     <p:sldId id="256" r:id="rId2"/>
+    <p:sldId id="257" r:id="rId3"/>
   </p:sldIdLst>
   <p:sldSz cx="12192000" cy="6858000"/>
   <p:notesSz cx="6858000" cy="9144000"/>
@@ -146,7 +147,7 @@
           <p:cNvPr id="2" name="Title 1">
             <a:extLst>
               <a:ext uri="{FF2B5EF4-FFF2-40B4-BE49-F238E27FC236}">
-                <a16:creationId xmlns:a16="http://schemas.microsoft.com/office/drawing/2014/main" id="{3AC38249-212B-43B4-A70D-A54268E6F2FA}"/>
+                <a16:creationId xmlns:a16="http://schemas.microsoft.com/office/drawing/2014/main" xmlns="" id="{3AC38249-212B-43B4-A70D-A54268E6F2FA}"/>
               </a:ext>
             </a:extLst>
           </p:cNvPr>
@@ -183,7 +184,7 @@
           <p:cNvPr id="3" name="Subtitle 2">
             <a:extLst>
               <a:ext uri="{FF2B5EF4-FFF2-40B4-BE49-F238E27FC236}">
-                <a16:creationId xmlns:a16="http://schemas.microsoft.com/office/drawing/2014/main" id="{41E61276-26C8-4BA3-B3FA-C96F44281E32}"/>
+                <a16:creationId xmlns:a16="http://schemas.microsoft.com/office/drawing/2014/main" xmlns="" id="{41E61276-26C8-4BA3-B3FA-C96F44281E32}"/>
               </a:ext>
             </a:extLst>
           </p:cNvPr>
@@ -253,7 +254,7 @@
           <p:cNvPr id="4" name="Date Placeholder 3">
             <a:extLst>
               <a:ext uri="{FF2B5EF4-FFF2-40B4-BE49-F238E27FC236}">
-                <a16:creationId xmlns:a16="http://schemas.microsoft.com/office/drawing/2014/main" id="{FA3351AC-FE40-4C02-A632-D771BC1BC706}"/>
+                <a16:creationId xmlns:a16="http://schemas.microsoft.com/office/drawing/2014/main" xmlns="" id="{FA3351AC-FE40-4C02-A632-D771BC1BC706}"/>
               </a:ext>
             </a:extLst>
           </p:cNvPr>
@@ -271,7 +272,7 @@
           <a:p>
             <a:fld id="{E6A89C0F-CA62-4C5B-9686-7C7BB174A67B}" type="datetimeFigureOut">
               <a:rPr lang="en-US" smtClean="0"/>
-              <a:t>18-Feb-19</a:t>
+              <a:t>2/26/2019</a:t>
             </a:fld>
             <a:endParaRPr lang="en-US"/>
           </a:p>
@@ -282,7 +283,7 @@
           <p:cNvPr id="5" name="Footer Placeholder 4">
             <a:extLst>
               <a:ext uri="{FF2B5EF4-FFF2-40B4-BE49-F238E27FC236}">
-                <a16:creationId xmlns:a16="http://schemas.microsoft.com/office/drawing/2014/main" id="{7BEB90DB-73F9-46B5-8E41-F62EA71FFDD3}"/>
+                <a16:creationId xmlns:a16="http://schemas.microsoft.com/office/drawing/2014/main" xmlns="" id="{7BEB90DB-73F9-46B5-8E41-F62EA71FFDD3}"/>
               </a:ext>
             </a:extLst>
           </p:cNvPr>
@@ -307,7 +308,7 @@
           <p:cNvPr id="6" name="Slide Number Placeholder 5">
             <a:extLst>
               <a:ext uri="{FF2B5EF4-FFF2-40B4-BE49-F238E27FC236}">
-                <a16:creationId xmlns:a16="http://schemas.microsoft.com/office/drawing/2014/main" id="{A1C5DB30-8E38-484A-966D-4D67E820B6AB}"/>
+                <a16:creationId xmlns:a16="http://schemas.microsoft.com/office/drawing/2014/main" xmlns="" id="{A1C5DB30-8E38-484A-966D-4D67E820B6AB}"/>
               </a:ext>
             </a:extLst>
           </p:cNvPr>
@@ -366,7 +367,7 @@
           <p:cNvPr id="2" name="Title 1">
             <a:extLst>
               <a:ext uri="{FF2B5EF4-FFF2-40B4-BE49-F238E27FC236}">
-                <a16:creationId xmlns:a16="http://schemas.microsoft.com/office/drawing/2014/main" id="{1B91C7BF-9E82-490C-A3B1-4C48FD101ADF}"/>
+                <a16:creationId xmlns:a16="http://schemas.microsoft.com/office/drawing/2014/main" xmlns="" id="{1B91C7BF-9E82-490C-A3B1-4C48FD101ADF}"/>
               </a:ext>
             </a:extLst>
           </p:cNvPr>
@@ -394,7 +395,7 @@
           <p:cNvPr id="3" name="Vertical Text Placeholder 2">
             <a:extLst>
               <a:ext uri="{FF2B5EF4-FFF2-40B4-BE49-F238E27FC236}">
-                <a16:creationId xmlns:a16="http://schemas.microsoft.com/office/drawing/2014/main" id="{3E016F1D-1EFF-4776-81EB-DEAFEE684001}"/>
+                <a16:creationId xmlns:a16="http://schemas.microsoft.com/office/drawing/2014/main" xmlns="" id="{3E016F1D-1EFF-4776-81EB-DEAFEE684001}"/>
               </a:ext>
             </a:extLst>
           </p:cNvPr>
@@ -451,7 +452,7 @@
           <p:cNvPr id="4" name="Date Placeholder 3">
             <a:extLst>
               <a:ext uri="{FF2B5EF4-FFF2-40B4-BE49-F238E27FC236}">
-                <a16:creationId xmlns:a16="http://schemas.microsoft.com/office/drawing/2014/main" id="{FD788157-102F-4112-8835-BD17C093A7C2}"/>
+                <a16:creationId xmlns:a16="http://schemas.microsoft.com/office/drawing/2014/main" xmlns="" id="{FD788157-102F-4112-8835-BD17C093A7C2}"/>
               </a:ext>
             </a:extLst>
           </p:cNvPr>
@@ -469,7 +470,7 @@
           <a:p>
             <a:fld id="{E6A89C0F-CA62-4C5B-9686-7C7BB174A67B}" type="datetimeFigureOut">
               <a:rPr lang="en-US" smtClean="0"/>
-              <a:t>18-Feb-19</a:t>
+              <a:t>2/26/2019</a:t>
             </a:fld>
             <a:endParaRPr lang="en-US"/>
           </a:p>
@@ -480,7 +481,7 @@
           <p:cNvPr id="5" name="Footer Placeholder 4">
             <a:extLst>
               <a:ext uri="{FF2B5EF4-FFF2-40B4-BE49-F238E27FC236}">
-                <a16:creationId xmlns:a16="http://schemas.microsoft.com/office/drawing/2014/main" id="{E4F25D17-CFFD-4827-B9E2-A1C4A0DA8E2A}"/>
+                <a16:creationId xmlns:a16="http://schemas.microsoft.com/office/drawing/2014/main" xmlns="" id="{E4F25D17-CFFD-4827-B9E2-A1C4A0DA8E2A}"/>
               </a:ext>
             </a:extLst>
           </p:cNvPr>
@@ -505,7 +506,7 @@
           <p:cNvPr id="6" name="Slide Number Placeholder 5">
             <a:extLst>
               <a:ext uri="{FF2B5EF4-FFF2-40B4-BE49-F238E27FC236}">
-                <a16:creationId xmlns:a16="http://schemas.microsoft.com/office/drawing/2014/main" id="{2757E183-0202-4985-A3AD-D5CB421737E2}"/>
+                <a16:creationId xmlns:a16="http://schemas.microsoft.com/office/drawing/2014/main" xmlns="" id="{2757E183-0202-4985-A3AD-D5CB421737E2}"/>
               </a:ext>
             </a:extLst>
           </p:cNvPr>
@@ -564,7 +565,7 @@
           <p:cNvPr id="2" name="Vertical Title 1">
             <a:extLst>
               <a:ext uri="{FF2B5EF4-FFF2-40B4-BE49-F238E27FC236}">
-                <a16:creationId xmlns:a16="http://schemas.microsoft.com/office/drawing/2014/main" id="{FE51A3D7-72F0-4BBE-AA43-CBCDC330D6A3}"/>
+                <a16:creationId xmlns:a16="http://schemas.microsoft.com/office/drawing/2014/main" xmlns="" id="{FE51A3D7-72F0-4BBE-AA43-CBCDC330D6A3}"/>
               </a:ext>
             </a:extLst>
           </p:cNvPr>
@@ -597,7 +598,7 @@
           <p:cNvPr id="3" name="Vertical Text Placeholder 2">
             <a:extLst>
               <a:ext uri="{FF2B5EF4-FFF2-40B4-BE49-F238E27FC236}">
-                <a16:creationId xmlns:a16="http://schemas.microsoft.com/office/drawing/2014/main" id="{AF262396-7243-4C19-877C-D886F025BCC9}"/>
+                <a16:creationId xmlns:a16="http://schemas.microsoft.com/office/drawing/2014/main" xmlns="" id="{AF262396-7243-4C19-877C-D886F025BCC9}"/>
               </a:ext>
             </a:extLst>
           </p:cNvPr>
@@ -659,7 +660,7 @@
           <p:cNvPr id="4" name="Date Placeholder 3">
             <a:extLst>
               <a:ext uri="{FF2B5EF4-FFF2-40B4-BE49-F238E27FC236}">
-                <a16:creationId xmlns:a16="http://schemas.microsoft.com/office/drawing/2014/main" id="{04AD021F-E8BC-4A0A-8365-472C1CEC398C}"/>
+                <a16:creationId xmlns:a16="http://schemas.microsoft.com/office/drawing/2014/main" xmlns="" id="{04AD021F-E8BC-4A0A-8365-472C1CEC398C}"/>
               </a:ext>
             </a:extLst>
           </p:cNvPr>
@@ -677,7 +678,7 @@
           <a:p>
             <a:fld id="{E6A89C0F-CA62-4C5B-9686-7C7BB174A67B}" type="datetimeFigureOut">
               <a:rPr lang="en-US" smtClean="0"/>
-              <a:t>18-Feb-19</a:t>
+              <a:t>2/26/2019</a:t>
             </a:fld>
             <a:endParaRPr lang="en-US"/>
           </a:p>
@@ -688,7 +689,7 @@
           <p:cNvPr id="5" name="Footer Placeholder 4">
             <a:extLst>
               <a:ext uri="{FF2B5EF4-FFF2-40B4-BE49-F238E27FC236}">
-                <a16:creationId xmlns:a16="http://schemas.microsoft.com/office/drawing/2014/main" id="{CE4BE59E-CAC8-45AB-BBF8-8BD5812E8079}"/>
+                <a16:creationId xmlns:a16="http://schemas.microsoft.com/office/drawing/2014/main" xmlns="" id="{CE4BE59E-CAC8-45AB-BBF8-8BD5812E8079}"/>
               </a:ext>
             </a:extLst>
           </p:cNvPr>
@@ -713,7 +714,7 @@
           <p:cNvPr id="6" name="Slide Number Placeholder 5">
             <a:extLst>
               <a:ext uri="{FF2B5EF4-FFF2-40B4-BE49-F238E27FC236}">
-                <a16:creationId xmlns:a16="http://schemas.microsoft.com/office/drawing/2014/main" id="{69F4E22B-9133-47B2-BDD6-66AC42CCE92C}"/>
+                <a16:creationId xmlns:a16="http://schemas.microsoft.com/office/drawing/2014/main" xmlns="" id="{69F4E22B-9133-47B2-BDD6-66AC42CCE92C}"/>
               </a:ext>
             </a:extLst>
           </p:cNvPr>
@@ -772,7 +773,7 @@
           <p:cNvPr id="2" name="Title 1">
             <a:extLst>
               <a:ext uri="{FF2B5EF4-FFF2-40B4-BE49-F238E27FC236}">
-                <a16:creationId xmlns:a16="http://schemas.microsoft.com/office/drawing/2014/main" id="{A3B60995-EA69-419D-B8E4-7B968B0684EF}"/>
+                <a16:creationId xmlns:a16="http://schemas.microsoft.com/office/drawing/2014/main" xmlns="" id="{A3B60995-EA69-419D-B8E4-7B968B0684EF}"/>
               </a:ext>
             </a:extLst>
           </p:cNvPr>
@@ -800,7 +801,7 @@
           <p:cNvPr id="3" name="Content Placeholder 2">
             <a:extLst>
               <a:ext uri="{FF2B5EF4-FFF2-40B4-BE49-F238E27FC236}">
-                <a16:creationId xmlns:a16="http://schemas.microsoft.com/office/drawing/2014/main" id="{5BFFDB2D-9681-48DD-AB83-20BEF8F12491}"/>
+                <a16:creationId xmlns:a16="http://schemas.microsoft.com/office/drawing/2014/main" xmlns="" id="{5BFFDB2D-9681-48DD-AB83-20BEF8F12491}"/>
               </a:ext>
             </a:extLst>
           </p:cNvPr>
@@ -857,7 +858,7 @@
           <p:cNvPr id="4" name="Date Placeholder 3">
             <a:extLst>
               <a:ext uri="{FF2B5EF4-FFF2-40B4-BE49-F238E27FC236}">
-                <a16:creationId xmlns:a16="http://schemas.microsoft.com/office/drawing/2014/main" id="{EBF0F747-04D3-4920-BE97-7A5A1E46BEA0}"/>
+                <a16:creationId xmlns:a16="http://schemas.microsoft.com/office/drawing/2014/main" xmlns="" id="{EBF0F747-04D3-4920-BE97-7A5A1E46BEA0}"/>
               </a:ext>
             </a:extLst>
           </p:cNvPr>
@@ -875,7 +876,7 @@
           <a:p>
             <a:fld id="{E6A89C0F-CA62-4C5B-9686-7C7BB174A67B}" type="datetimeFigureOut">
               <a:rPr lang="en-US" smtClean="0"/>
-              <a:t>18-Feb-19</a:t>
+              <a:t>2/26/2019</a:t>
             </a:fld>
             <a:endParaRPr lang="en-US"/>
           </a:p>
@@ -886,7 +887,7 @@
           <p:cNvPr id="5" name="Footer Placeholder 4">
             <a:extLst>
               <a:ext uri="{FF2B5EF4-FFF2-40B4-BE49-F238E27FC236}">
-                <a16:creationId xmlns:a16="http://schemas.microsoft.com/office/drawing/2014/main" id="{B9B8477A-2EAD-4A49-8F76-887240B8DDBB}"/>
+                <a16:creationId xmlns:a16="http://schemas.microsoft.com/office/drawing/2014/main" xmlns="" id="{B9B8477A-2EAD-4A49-8F76-887240B8DDBB}"/>
               </a:ext>
             </a:extLst>
           </p:cNvPr>
@@ -911,7 +912,7 @@
           <p:cNvPr id="6" name="Slide Number Placeholder 5">
             <a:extLst>
               <a:ext uri="{FF2B5EF4-FFF2-40B4-BE49-F238E27FC236}">
-                <a16:creationId xmlns:a16="http://schemas.microsoft.com/office/drawing/2014/main" id="{16560596-D324-4B22-9901-8F8202F0690E}"/>
+                <a16:creationId xmlns:a16="http://schemas.microsoft.com/office/drawing/2014/main" xmlns="" id="{16560596-D324-4B22-9901-8F8202F0690E}"/>
               </a:ext>
             </a:extLst>
           </p:cNvPr>
@@ -970,7 +971,7 @@
           <p:cNvPr id="2" name="Title 1">
             <a:extLst>
               <a:ext uri="{FF2B5EF4-FFF2-40B4-BE49-F238E27FC236}">
-                <a16:creationId xmlns:a16="http://schemas.microsoft.com/office/drawing/2014/main" id="{2F743E71-815C-44D0-A953-01EC3A2B8AEE}"/>
+                <a16:creationId xmlns:a16="http://schemas.microsoft.com/office/drawing/2014/main" xmlns="" id="{2F743E71-815C-44D0-A953-01EC3A2B8AEE}"/>
               </a:ext>
             </a:extLst>
           </p:cNvPr>
@@ -1007,7 +1008,7 @@
           <p:cNvPr id="3" name="Text Placeholder 2">
             <a:extLst>
               <a:ext uri="{FF2B5EF4-FFF2-40B4-BE49-F238E27FC236}">
-                <a16:creationId xmlns:a16="http://schemas.microsoft.com/office/drawing/2014/main" id="{08E7B2DB-2343-458C-ADDA-8938EADEFAD9}"/>
+                <a16:creationId xmlns:a16="http://schemas.microsoft.com/office/drawing/2014/main" xmlns="" id="{08E7B2DB-2343-458C-ADDA-8938EADEFAD9}"/>
               </a:ext>
             </a:extLst>
           </p:cNvPr>
@@ -1132,7 +1133,7 @@
           <p:cNvPr id="4" name="Date Placeholder 3">
             <a:extLst>
               <a:ext uri="{FF2B5EF4-FFF2-40B4-BE49-F238E27FC236}">
-                <a16:creationId xmlns:a16="http://schemas.microsoft.com/office/drawing/2014/main" id="{8EA9ADFA-C88C-42CE-A4D7-C02051F23570}"/>
+                <a16:creationId xmlns:a16="http://schemas.microsoft.com/office/drawing/2014/main" xmlns="" id="{8EA9ADFA-C88C-42CE-A4D7-C02051F23570}"/>
               </a:ext>
             </a:extLst>
           </p:cNvPr>
@@ -1150,7 +1151,7 @@
           <a:p>
             <a:fld id="{E6A89C0F-CA62-4C5B-9686-7C7BB174A67B}" type="datetimeFigureOut">
               <a:rPr lang="en-US" smtClean="0"/>
-              <a:t>18-Feb-19</a:t>
+              <a:t>2/26/2019</a:t>
             </a:fld>
             <a:endParaRPr lang="en-US"/>
           </a:p>
@@ -1161,7 +1162,7 @@
           <p:cNvPr id="5" name="Footer Placeholder 4">
             <a:extLst>
               <a:ext uri="{FF2B5EF4-FFF2-40B4-BE49-F238E27FC236}">
-                <a16:creationId xmlns:a16="http://schemas.microsoft.com/office/drawing/2014/main" id="{2E6AF715-153D-4594-8F12-F4F5DE605A49}"/>
+                <a16:creationId xmlns:a16="http://schemas.microsoft.com/office/drawing/2014/main" xmlns="" id="{2E6AF715-153D-4594-8F12-F4F5DE605A49}"/>
               </a:ext>
             </a:extLst>
           </p:cNvPr>
@@ -1186,7 +1187,7 @@
           <p:cNvPr id="6" name="Slide Number Placeholder 5">
             <a:extLst>
               <a:ext uri="{FF2B5EF4-FFF2-40B4-BE49-F238E27FC236}">
-                <a16:creationId xmlns:a16="http://schemas.microsoft.com/office/drawing/2014/main" id="{227CB6EA-DB89-4E3D-8877-1624EEB23A27}"/>
+                <a16:creationId xmlns:a16="http://schemas.microsoft.com/office/drawing/2014/main" xmlns="" id="{227CB6EA-DB89-4E3D-8877-1624EEB23A27}"/>
               </a:ext>
             </a:extLst>
           </p:cNvPr>
@@ -1245,7 +1246,7 @@
           <p:cNvPr id="2" name="Title 1">
             <a:extLst>
               <a:ext uri="{FF2B5EF4-FFF2-40B4-BE49-F238E27FC236}">
-                <a16:creationId xmlns:a16="http://schemas.microsoft.com/office/drawing/2014/main" id="{08504549-E80F-4B14-ADF1-9C2C34224177}"/>
+                <a16:creationId xmlns:a16="http://schemas.microsoft.com/office/drawing/2014/main" xmlns="" id="{08504549-E80F-4B14-ADF1-9C2C34224177}"/>
               </a:ext>
             </a:extLst>
           </p:cNvPr>
@@ -1273,7 +1274,7 @@
           <p:cNvPr id="3" name="Content Placeholder 2">
             <a:extLst>
               <a:ext uri="{FF2B5EF4-FFF2-40B4-BE49-F238E27FC236}">
-                <a16:creationId xmlns:a16="http://schemas.microsoft.com/office/drawing/2014/main" id="{1FEC31E7-C12A-4487-B6C8-0E8437022A31}"/>
+                <a16:creationId xmlns:a16="http://schemas.microsoft.com/office/drawing/2014/main" xmlns="" id="{1FEC31E7-C12A-4487-B6C8-0E8437022A31}"/>
               </a:ext>
             </a:extLst>
           </p:cNvPr>
@@ -1335,7 +1336,7 @@
           <p:cNvPr id="4" name="Content Placeholder 3">
             <a:extLst>
               <a:ext uri="{FF2B5EF4-FFF2-40B4-BE49-F238E27FC236}">
-                <a16:creationId xmlns:a16="http://schemas.microsoft.com/office/drawing/2014/main" id="{7A7E832A-3E66-4E7B-BD7B-F741BC57CB38}"/>
+                <a16:creationId xmlns:a16="http://schemas.microsoft.com/office/drawing/2014/main" xmlns="" id="{7A7E832A-3E66-4E7B-BD7B-F741BC57CB38}"/>
               </a:ext>
             </a:extLst>
           </p:cNvPr>
@@ -1397,7 +1398,7 @@
           <p:cNvPr id="5" name="Date Placeholder 4">
             <a:extLst>
               <a:ext uri="{FF2B5EF4-FFF2-40B4-BE49-F238E27FC236}">
-                <a16:creationId xmlns:a16="http://schemas.microsoft.com/office/drawing/2014/main" id="{EEC57016-4DEF-4E26-B165-07D3CDED6958}"/>
+                <a16:creationId xmlns:a16="http://schemas.microsoft.com/office/drawing/2014/main" xmlns="" id="{EEC57016-4DEF-4E26-B165-07D3CDED6958}"/>
               </a:ext>
             </a:extLst>
           </p:cNvPr>
@@ -1415,7 +1416,7 @@
           <a:p>
             <a:fld id="{E6A89C0F-CA62-4C5B-9686-7C7BB174A67B}" type="datetimeFigureOut">
               <a:rPr lang="en-US" smtClean="0"/>
-              <a:t>18-Feb-19</a:t>
+              <a:t>2/26/2019</a:t>
             </a:fld>
             <a:endParaRPr lang="en-US"/>
           </a:p>
@@ -1426,7 +1427,7 @@
           <p:cNvPr id="6" name="Footer Placeholder 5">
             <a:extLst>
               <a:ext uri="{FF2B5EF4-FFF2-40B4-BE49-F238E27FC236}">
-                <a16:creationId xmlns:a16="http://schemas.microsoft.com/office/drawing/2014/main" id="{B877CD53-10E5-4078-891C-4A0A611C0B0F}"/>
+                <a16:creationId xmlns:a16="http://schemas.microsoft.com/office/drawing/2014/main" xmlns="" id="{B877CD53-10E5-4078-891C-4A0A611C0B0F}"/>
               </a:ext>
             </a:extLst>
           </p:cNvPr>
@@ -1451,7 +1452,7 @@
           <p:cNvPr id="7" name="Slide Number Placeholder 6">
             <a:extLst>
               <a:ext uri="{FF2B5EF4-FFF2-40B4-BE49-F238E27FC236}">
-                <a16:creationId xmlns:a16="http://schemas.microsoft.com/office/drawing/2014/main" id="{CEE15739-A74C-491C-85CB-EBF0FC211F6C}"/>
+                <a16:creationId xmlns:a16="http://schemas.microsoft.com/office/drawing/2014/main" xmlns="" id="{CEE15739-A74C-491C-85CB-EBF0FC211F6C}"/>
               </a:ext>
             </a:extLst>
           </p:cNvPr>
@@ -1510,7 +1511,7 @@
           <p:cNvPr id="2" name="Title 1">
             <a:extLst>
               <a:ext uri="{FF2B5EF4-FFF2-40B4-BE49-F238E27FC236}">
-                <a16:creationId xmlns:a16="http://schemas.microsoft.com/office/drawing/2014/main" id="{48700FE6-997F-4B71-AC37-3A0BC4ECC358}"/>
+                <a16:creationId xmlns:a16="http://schemas.microsoft.com/office/drawing/2014/main" xmlns="" id="{48700FE6-997F-4B71-AC37-3A0BC4ECC358}"/>
               </a:ext>
             </a:extLst>
           </p:cNvPr>
@@ -1543,7 +1544,7 @@
           <p:cNvPr id="3" name="Text Placeholder 2">
             <a:extLst>
               <a:ext uri="{FF2B5EF4-FFF2-40B4-BE49-F238E27FC236}">
-                <a16:creationId xmlns:a16="http://schemas.microsoft.com/office/drawing/2014/main" id="{9E09E725-8BE5-4ADF-8132-2A57431FC930}"/>
+                <a16:creationId xmlns:a16="http://schemas.microsoft.com/office/drawing/2014/main" xmlns="" id="{9E09E725-8BE5-4ADF-8132-2A57431FC930}"/>
               </a:ext>
             </a:extLst>
           </p:cNvPr>
@@ -1614,7 +1615,7 @@
           <p:cNvPr id="4" name="Content Placeholder 3">
             <a:extLst>
               <a:ext uri="{FF2B5EF4-FFF2-40B4-BE49-F238E27FC236}">
-                <a16:creationId xmlns:a16="http://schemas.microsoft.com/office/drawing/2014/main" id="{FE1F6B63-80F6-4A66-9912-2211DE168EC8}"/>
+                <a16:creationId xmlns:a16="http://schemas.microsoft.com/office/drawing/2014/main" xmlns="" id="{FE1F6B63-80F6-4A66-9912-2211DE168EC8}"/>
               </a:ext>
             </a:extLst>
           </p:cNvPr>
@@ -1676,7 +1677,7 @@
           <p:cNvPr id="5" name="Text Placeholder 4">
             <a:extLst>
               <a:ext uri="{FF2B5EF4-FFF2-40B4-BE49-F238E27FC236}">
-                <a16:creationId xmlns:a16="http://schemas.microsoft.com/office/drawing/2014/main" id="{9A00521F-7D78-42A4-BD65-9F0222079FA5}"/>
+                <a16:creationId xmlns:a16="http://schemas.microsoft.com/office/drawing/2014/main" xmlns="" id="{9A00521F-7D78-42A4-BD65-9F0222079FA5}"/>
               </a:ext>
             </a:extLst>
           </p:cNvPr>
@@ -1747,7 +1748,7 @@
           <p:cNvPr id="6" name="Content Placeholder 5">
             <a:extLst>
               <a:ext uri="{FF2B5EF4-FFF2-40B4-BE49-F238E27FC236}">
-                <a16:creationId xmlns:a16="http://schemas.microsoft.com/office/drawing/2014/main" id="{303127E6-B32D-44E1-B96E-BC039D02A092}"/>
+                <a16:creationId xmlns:a16="http://schemas.microsoft.com/office/drawing/2014/main" xmlns="" id="{303127E6-B32D-44E1-B96E-BC039D02A092}"/>
               </a:ext>
             </a:extLst>
           </p:cNvPr>
@@ -1809,7 +1810,7 @@
           <p:cNvPr id="7" name="Date Placeholder 6">
             <a:extLst>
               <a:ext uri="{FF2B5EF4-FFF2-40B4-BE49-F238E27FC236}">
-                <a16:creationId xmlns:a16="http://schemas.microsoft.com/office/drawing/2014/main" id="{A1D2A630-E158-4268-BF59-913C44B4302C}"/>
+                <a16:creationId xmlns:a16="http://schemas.microsoft.com/office/drawing/2014/main" xmlns="" id="{A1D2A630-E158-4268-BF59-913C44B4302C}"/>
               </a:ext>
             </a:extLst>
           </p:cNvPr>
@@ -1827,7 +1828,7 @@
           <a:p>
             <a:fld id="{E6A89C0F-CA62-4C5B-9686-7C7BB174A67B}" type="datetimeFigureOut">
               <a:rPr lang="en-US" smtClean="0"/>
-              <a:t>18-Feb-19</a:t>
+              <a:t>2/26/2019</a:t>
             </a:fld>
             <a:endParaRPr lang="en-US"/>
           </a:p>
@@ -1838,7 +1839,7 @@
           <p:cNvPr id="8" name="Footer Placeholder 7">
             <a:extLst>
               <a:ext uri="{FF2B5EF4-FFF2-40B4-BE49-F238E27FC236}">
-                <a16:creationId xmlns:a16="http://schemas.microsoft.com/office/drawing/2014/main" id="{4C8A5442-D15F-48B6-A343-96A015835050}"/>
+                <a16:creationId xmlns:a16="http://schemas.microsoft.com/office/drawing/2014/main" xmlns="" id="{4C8A5442-D15F-48B6-A343-96A015835050}"/>
               </a:ext>
             </a:extLst>
           </p:cNvPr>
@@ -1863,7 +1864,7 @@
           <p:cNvPr id="9" name="Slide Number Placeholder 8">
             <a:extLst>
               <a:ext uri="{FF2B5EF4-FFF2-40B4-BE49-F238E27FC236}">
-                <a16:creationId xmlns:a16="http://schemas.microsoft.com/office/drawing/2014/main" id="{E75CB496-947E-4F25-8C39-1B2C1E626FB6}"/>
+                <a16:creationId xmlns:a16="http://schemas.microsoft.com/office/drawing/2014/main" xmlns="" id="{E75CB496-947E-4F25-8C39-1B2C1E626FB6}"/>
               </a:ext>
             </a:extLst>
           </p:cNvPr>
@@ -1922,7 +1923,7 @@
           <p:cNvPr id="2" name="Title 1">
             <a:extLst>
               <a:ext uri="{FF2B5EF4-FFF2-40B4-BE49-F238E27FC236}">
-                <a16:creationId xmlns:a16="http://schemas.microsoft.com/office/drawing/2014/main" id="{C9733210-A173-46C8-AC02-D2EBE6395A37}"/>
+                <a16:creationId xmlns:a16="http://schemas.microsoft.com/office/drawing/2014/main" xmlns="" id="{C9733210-A173-46C8-AC02-D2EBE6395A37}"/>
               </a:ext>
             </a:extLst>
           </p:cNvPr>
@@ -1950,7 +1951,7 @@
           <p:cNvPr id="3" name="Date Placeholder 2">
             <a:extLst>
               <a:ext uri="{FF2B5EF4-FFF2-40B4-BE49-F238E27FC236}">
-                <a16:creationId xmlns:a16="http://schemas.microsoft.com/office/drawing/2014/main" id="{4310E2D0-69F2-45AA-8421-4598F878F467}"/>
+                <a16:creationId xmlns:a16="http://schemas.microsoft.com/office/drawing/2014/main" xmlns="" id="{4310E2D0-69F2-45AA-8421-4598F878F467}"/>
               </a:ext>
             </a:extLst>
           </p:cNvPr>
@@ -1968,7 +1969,7 @@
           <a:p>
             <a:fld id="{E6A89C0F-CA62-4C5B-9686-7C7BB174A67B}" type="datetimeFigureOut">
               <a:rPr lang="en-US" smtClean="0"/>
-              <a:t>18-Feb-19</a:t>
+              <a:t>2/26/2019</a:t>
             </a:fld>
             <a:endParaRPr lang="en-US"/>
           </a:p>
@@ -1979,7 +1980,7 @@
           <p:cNvPr id="4" name="Footer Placeholder 3">
             <a:extLst>
               <a:ext uri="{FF2B5EF4-FFF2-40B4-BE49-F238E27FC236}">
-                <a16:creationId xmlns:a16="http://schemas.microsoft.com/office/drawing/2014/main" id="{17AB59CE-C9DE-4533-A9F8-3476DC6C022A}"/>
+                <a16:creationId xmlns:a16="http://schemas.microsoft.com/office/drawing/2014/main" xmlns="" id="{17AB59CE-C9DE-4533-A9F8-3476DC6C022A}"/>
               </a:ext>
             </a:extLst>
           </p:cNvPr>
@@ -2004,7 +2005,7 @@
           <p:cNvPr id="5" name="Slide Number Placeholder 4">
             <a:extLst>
               <a:ext uri="{FF2B5EF4-FFF2-40B4-BE49-F238E27FC236}">
-                <a16:creationId xmlns:a16="http://schemas.microsoft.com/office/drawing/2014/main" id="{0A14B346-303C-4820-8DB8-65E2FBBBED34}"/>
+                <a16:creationId xmlns:a16="http://schemas.microsoft.com/office/drawing/2014/main" xmlns="" id="{0A14B346-303C-4820-8DB8-65E2FBBBED34}"/>
               </a:ext>
             </a:extLst>
           </p:cNvPr>
@@ -2063,7 +2064,7 @@
           <p:cNvPr id="2" name="Date Placeholder 1">
             <a:extLst>
               <a:ext uri="{FF2B5EF4-FFF2-40B4-BE49-F238E27FC236}">
-                <a16:creationId xmlns:a16="http://schemas.microsoft.com/office/drawing/2014/main" id="{3895ECCC-50E9-4FC4-82AB-13A3FD67827E}"/>
+                <a16:creationId xmlns:a16="http://schemas.microsoft.com/office/drawing/2014/main" xmlns="" id="{3895ECCC-50E9-4FC4-82AB-13A3FD67827E}"/>
               </a:ext>
             </a:extLst>
           </p:cNvPr>
@@ -2081,7 +2082,7 @@
           <a:p>
             <a:fld id="{E6A89C0F-CA62-4C5B-9686-7C7BB174A67B}" type="datetimeFigureOut">
               <a:rPr lang="en-US" smtClean="0"/>
-              <a:t>18-Feb-19</a:t>
+              <a:t>2/26/2019</a:t>
             </a:fld>
             <a:endParaRPr lang="en-US"/>
           </a:p>
@@ -2092,7 +2093,7 @@
           <p:cNvPr id="3" name="Footer Placeholder 2">
             <a:extLst>
               <a:ext uri="{FF2B5EF4-FFF2-40B4-BE49-F238E27FC236}">
-                <a16:creationId xmlns:a16="http://schemas.microsoft.com/office/drawing/2014/main" id="{4D7BA912-5C3A-40A5-9A70-B1BB95FCA544}"/>
+                <a16:creationId xmlns:a16="http://schemas.microsoft.com/office/drawing/2014/main" xmlns="" id="{4D7BA912-5C3A-40A5-9A70-B1BB95FCA544}"/>
               </a:ext>
             </a:extLst>
           </p:cNvPr>
@@ -2117,7 +2118,7 @@
           <p:cNvPr id="4" name="Slide Number Placeholder 3">
             <a:extLst>
               <a:ext uri="{FF2B5EF4-FFF2-40B4-BE49-F238E27FC236}">
-                <a16:creationId xmlns:a16="http://schemas.microsoft.com/office/drawing/2014/main" id="{A17B3C44-D284-4795-8666-2CAB776B7D26}"/>
+                <a16:creationId xmlns:a16="http://schemas.microsoft.com/office/drawing/2014/main" xmlns="" id="{A17B3C44-D284-4795-8666-2CAB776B7D26}"/>
               </a:ext>
             </a:extLst>
           </p:cNvPr>
@@ -2176,7 +2177,7 @@
           <p:cNvPr id="2" name="Title 1">
             <a:extLst>
               <a:ext uri="{FF2B5EF4-FFF2-40B4-BE49-F238E27FC236}">
-                <a16:creationId xmlns:a16="http://schemas.microsoft.com/office/drawing/2014/main" id="{D999917F-49C6-452B-9D99-4420D1C71662}"/>
+                <a16:creationId xmlns:a16="http://schemas.microsoft.com/office/drawing/2014/main" xmlns="" id="{D999917F-49C6-452B-9D99-4420D1C71662}"/>
               </a:ext>
             </a:extLst>
           </p:cNvPr>
@@ -2213,7 +2214,7 @@
           <p:cNvPr id="3" name="Content Placeholder 2">
             <a:extLst>
               <a:ext uri="{FF2B5EF4-FFF2-40B4-BE49-F238E27FC236}">
-                <a16:creationId xmlns:a16="http://schemas.microsoft.com/office/drawing/2014/main" id="{563A070C-099F-4D3C-975F-1D644CB5B2D0}"/>
+                <a16:creationId xmlns:a16="http://schemas.microsoft.com/office/drawing/2014/main" xmlns="" id="{563A070C-099F-4D3C-975F-1D644CB5B2D0}"/>
               </a:ext>
             </a:extLst>
           </p:cNvPr>
@@ -2303,7 +2304,7 @@
           <p:cNvPr id="4" name="Text Placeholder 3">
             <a:extLst>
               <a:ext uri="{FF2B5EF4-FFF2-40B4-BE49-F238E27FC236}">
-                <a16:creationId xmlns:a16="http://schemas.microsoft.com/office/drawing/2014/main" id="{B44F6B87-C3B0-4743-AAD3-BDDF1592AF27}"/>
+                <a16:creationId xmlns:a16="http://schemas.microsoft.com/office/drawing/2014/main" xmlns="" id="{B44F6B87-C3B0-4743-AAD3-BDDF1592AF27}"/>
               </a:ext>
             </a:extLst>
           </p:cNvPr>
@@ -2374,7 +2375,7 @@
           <p:cNvPr id="5" name="Date Placeholder 4">
             <a:extLst>
               <a:ext uri="{FF2B5EF4-FFF2-40B4-BE49-F238E27FC236}">
-                <a16:creationId xmlns:a16="http://schemas.microsoft.com/office/drawing/2014/main" id="{150FD9EA-A6D7-4DA8-B9BB-9DF94CF5B422}"/>
+                <a16:creationId xmlns:a16="http://schemas.microsoft.com/office/drawing/2014/main" xmlns="" id="{150FD9EA-A6D7-4DA8-B9BB-9DF94CF5B422}"/>
               </a:ext>
             </a:extLst>
           </p:cNvPr>
@@ -2392,7 +2393,7 @@
           <a:p>
             <a:fld id="{E6A89C0F-CA62-4C5B-9686-7C7BB174A67B}" type="datetimeFigureOut">
               <a:rPr lang="en-US" smtClean="0"/>
-              <a:t>18-Feb-19</a:t>
+              <a:t>2/26/2019</a:t>
             </a:fld>
             <a:endParaRPr lang="en-US"/>
           </a:p>
@@ -2403,7 +2404,7 @@
           <p:cNvPr id="6" name="Footer Placeholder 5">
             <a:extLst>
               <a:ext uri="{FF2B5EF4-FFF2-40B4-BE49-F238E27FC236}">
-                <a16:creationId xmlns:a16="http://schemas.microsoft.com/office/drawing/2014/main" id="{5743F4B3-879D-4061-8DE3-6F283C04ABE0}"/>
+                <a16:creationId xmlns:a16="http://schemas.microsoft.com/office/drawing/2014/main" xmlns="" id="{5743F4B3-879D-4061-8DE3-6F283C04ABE0}"/>
               </a:ext>
             </a:extLst>
           </p:cNvPr>
@@ -2428,7 +2429,7 @@
           <p:cNvPr id="7" name="Slide Number Placeholder 6">
             <a:extLst>
               <a:ext uri="{FF2B5EF4-FFF2-40B4-BE49-F238E27FC236}">
-                <a16:creationId xmlns:a16="http://schemas.microsoft.com/office/drawing/2014/main" id="{3BE2AE04-928A-4CED-A93C-0E74F5F87948}"/>
+                <a16:creationId xmlns:a16="http://schemas.microsoft.com/office/drawing/2014/main" xmlns="" id="{3BE2AE04-928A-4CED-A93C-0E74F5F87948}"/>
               </a:ext>
             </a:extLst>
           </p:cNvPr>
@@ -2487,7 +2488,7 @@
           <p:cNvPr id="2" name="Title 1">
             <a:extLst>
               <a:ext uri="{FF2B5EF4-FFF2-40B4-BE49-F238E27FC236}">
-                <a16:creationId xmlns:a16="http://schemas.microsoft.com/office/drawing/2014/main" id="{0EBEB53D-437F-46CA-B0CB-99BE2FC56619}"/>
+                <a16:creationId xmlns:a16="http://schemas.microsoft.com/office/drawing/2014/main" xmlns="" id="{0EBEB53D-437F-46CA-B0CB-99BE2FC56619}"/>
               </a:ext>
             </a:extLst>
           </p:cNvPr>
@@ -2524,7 +2525,7 @@
           <p:cNvPr id="3" name="Picture Placeholder 2">
             <a:extLst>
               <a:ext uri="{FF2B5EF4-FFF2-40B4-BE49-F238E27FC236}">
-                <a16:creationId xmlns:a16="http://schemas.microsoft.com/office/drawing/2014/main" id="{032FA13A-DCE0-4DE2-980D-B0D28AD8FF1C}"/>
+                <a16:creationId xmlns:a16="http://schemas.microsoft.com/office/drawing/2014/main" xmlns="" id="{032FA13A-DCE0-4DE2-980D-B0D28AD8FF1C}"/>
               </a:ext>
             </a:extLst>
           </p:cNvPr>
@@ -2591,7 +2592,7 @@
           <p:cNvPr id="4" name="Text Placeholder 3">
             <a:extLst>
               <a:ext uri="{FF2B5EF4-FFF2-40B4-BE49-F238E27FC236}">
-                <a16:creationId xmlns:a16="http://schemas.microsoft.com/office/drawing/2014/main" id="{27E1C334-D603-4CBA-B330-197443A22D03}"/>
+                <a16:creationId xmlns:a16="http://schemas.microsoft.com/office/drawing/2014/main" xmlns="" id="{27E1C334-D603-4CBA-B330-197443A22D03}"/>
               </a:ext>
             </a:extLst>
           </p:cNvPr>
@@ -2662,7 +2663,7 @@
           <p:cNvPr id="5" name="Date Placeholder 4">
             <a:extLst>
               <a:ext uri="{FF2B5EF4-FFF2-40B4-BE49-F238E27FC236}">
-                <a16:creationId xmlns:a16="http://schemas.microsoft.com/office/drawing/2014/main" id="{0A4E82DB-2CC1-43F7-BDD8-121640150193}"/>
+                <a16:creationId xmlns:a16="http://schemas.microsoft.com/office/drawing/2014/main" xmlns="" id="{0A4E82DB-2CC1-43F7-BDD8-121640150193}"/>
               </a:ext>
             </a:extLst>
           </p:cNvPr>
@@ -2680,7 +2681,7 @@
           <a:p>
             <a:fld id="{E6A89C0F-CA62-4C5B-9686-7C7BB174A67B}" type="datetimeFigureOut">
               <a:rPr lang="en-US" smtClean="0"/>
-              <a:t>18-Feb-19</a:t>
+              <a:t>2/26/2019</a:t>
             </a:fld>
             <a:endParaRPr lang="en-US"/>
           </a:p>
@@ -2691,7 +2692,7 @@
           <p:cNvPr id="6" name="Footer Placeholder 5">
             <a:extLst>
               <a:ext uri="{FF2B5EF4-FFF2-40B4-BE49-F238E27FC236}">
-                <a16:creationId xmlns:a16="http://schemas.microsoft.com/office/drawing/2014/main" id="{3F25786A-65C5-4640-9764-95C7FD394A90}"/>
+                <a16:creationId xmlns:a16="http://schemas.microsoft.com/office/drawing/2014/main" xmlns="" id="{3F25786A-65C5-4640-9764-95C7FD394A90}"/>
               </a:ext>
             </a:extLst>
           </p:cNvPr>
@@ -2716,7 +2717,7 @@
           <p:cNvPr id="7" name="Slide Number Placeholder 6">
             <a:extLst>
               <a:ext uri="{FF2B5EF4-FFF2-40B4-BE49-F238E27FC236}">
-                <a16:creationId xmlns:a16="http://schemas.microsoft.com/office/drawing/2014/main" id="{ACF0CD46-4860-4343-9EDB-74C509E16F37}"/>
+                <a16:creationId xmlns:a16="http://schemas.microsoft.com/office/drawing/2014/main" xmlns="" id="{ACF0CD46-4860-4343-9EDB-74C509E16F37}"/>
               </a:ext>
             </a:extLst>
           </p:cNvPr>
@@ -2780,7 +2781,7 @@
           <p:cNvPr id="2" name="Title Placeholder 1">
             <a:extLst>
               <a:ext uri="{FF2B5EF4-FFF2-40B4-BE49-F238E27FC236}">
-                <a16:creationId xmlns:a16="http://schemas.microsoft.com/office/drawing/2014/main" id="{6E9A24BC-8C56-4A1E-AE25-40ADE46C73F4}"/>
+                <a16:creationId xmlns:a16="http://schemas.microsoft.com/office/drawing/2014/main" xmlns="" id="{6E9A24BC-8C56-4A1E-AE25-40ADE46C73F4}"/>
               </a:ext>
             </a:extLst>
           </p:cNvPr>
@@ -2818,7 +2819,7 @@
           <p:cNvPr id="3" name="Text Placeholder 2">
             <a:extLst>
               <a:ext uri="{FF2B5EF4-FFF2-40B4-BE49-F238E27FC236}">
-                <a16:creationId xmlns:a16="http://schemas.microsoft.com/office/drawing/2014/main" id="{CFF95A07-E62E-4F21-AA5A-9AD51A2AD744}"/>
+                <a16:creationId xmlns:a16="http://schemas.microsoft.com/office/drawing/2014/main" xmlns="" id="{CFF95A07-E62E-4F21-AA5A-9AD51A2AD744}"/>
               </a:ext>
             </a:extLst>
           </p:cNvPr>
@@ -2885,7 +2886,7 @@
           <p:cNvPr id="4" name="Date Placeholder 3">
             <a:extLst>
               <a:ext uri="{FF2B5EF4-FFF2-40B4-BE49-F238E27FC236}">
-                <a16:creationId xmlns:a16="http://schemas.microsoft.com/office/drawing/2014/main" id="{A20467E1-DD0D-4FC2-A323-9A0B78C9C11D}"/>
+                <a16:creationId xmlns:a16="http://schemas.microsoft.com/office/drawing/2014/main" xmlns="" id="{A20467E1-DD0D-4FC2-A323-9A0B78C9C11D}"/>
               </a:ext>
             </a:extLst>
           </p:cNvPr>
@@ -2921,7 +2922,7 @@
           <a:p>
             <a:fld id="{E6A89C0F-CA62-4C5B-9686-7C7BB174A67B}" type="datetimeFigureOut">
               <a:rPr lang="en-US" smtClean="0"/>
-              <a:t>18-Feb-19</a:t>
+              <a:t>2/26/2019</a:t>
             </a:fld>
             <a:endParaRPr lang="en-US"/>
           </a:p>
@@ -2932,7 +2933,7 @@
           <p:cNvPr id="5" name="Footer Placeholder 4">
             <a:extLst>
               <a:ext uri="{FF2B5EF4-FFF2-40B4-BE49-F238E27FC236}">
-                <a16:creationId xmlns:a16="http://schemas.microsoft.com/office/drawing/2014/main" id="{7796346C-8CAB-4072-8C7A-DAC24EE13163}"/>
+                <a16:creationId xmlns:a16="http://schemas.microsoft.com/office/drawing/2014/main" xmlns="" id="{7796346C-8CAB-4072-8C7A-DAC24EE13163}"/>
               </a:ext>
             </a:extLst>
           </p:cNvPr>
@@ -2975,7 +2976,7 @@
           <p:cNvPr id="6" name="Slide Number Placeholder 5">
             <a:extLst>
               <a:ext uri="{FF2B5EF4-FFF2-40B4-BE49-F238E27FC236}">
-                <a16:creationId xmlns:a16="http://schemas.microsoft.com/office/drawing/2014/main" id="{3B7F320B-7CC3-4E62-A0B8-CFC703AB3263}"/>
+                <a16:creationId xmlns:a16="http://schemas.microsoft.com/office/drawing/2014/main" xmlns="" id="{3B7F320B-7CC3-4E62-A0B8-CFC703AB3263}"/>
               </a:ext>
             </a:extLst>
           </p:cNvPr>
@@ -3343,7 +3344,7 @@
           <p:cNvPr id="4" name="Rectangle 3">
             <a:extLst>
               <a:ext uri="{FF2B5EF4-FFF2-40B4-BE49-F238E27FC236}">
-                <a16:creationId xmlns:a16="http://schemas.microsoft.com/office/drawing/2014/main" id="{A72132B7-3C73-461A-B376-6C8DEEA85918}"/>
+                <a16:creationId xmlns:a16="http://schemas.microsoft.com/office/drawing/2014/main" xmlns="" id="{A72132B7-3C73-461A-B376-6C8DEEA85918}"/>
               </a:ext>
             </a:extLst>
           </p:cNvPr>
@@ -3398,7 +3399,7 @@
           <p:cNvPr id="6" name="Picture 5">
             <a:extLst>
               <a:ext uri="{FF2B5EF4-FFF2-40B4-BE49-F238E27FC236}">
-                <a16:creationId xmlns:a16="http://schemas.microsoft.com/office/drawing/2014/main" id="{A3393EE1-AB14-4BFB-BB35-0CA4CF24CFA2}"/>
+                <a16:creationId xmlns:a16="http://schemas.microsoft.com/office/drawing/2014/main" xmlns="" id="{A3393EE1-AB14-4BFB-BB35-0CA4CF24CFA2}"/>
               </a:ext>
             </a:extLst>
           </p:cNvPr>
@@ -3466,7 +3467,7 @@
           <p:cNvPr id="10" name="Picture 9">
             <a:extLst>
               <a:ext uri="{FF2B5EF4-FFF2-40B4-BE49-F238E27FC236}">
-                <a16:creationId xmlns:a16="http://schemas.microsoft.com/office/drawing/2014/main" id="{9E34149F-EB17-4C7B-9A3B-3C0C8F246D08}"/>
+                <a16:creationId xmlns:a16="http://schemas.microsoft.com/office/drawing/2014/main" xmlns="" id="{9E34149F-EB17-4C7B-9A3B-3C0C8F246D08}"/>
               </a:ext>
             </a:extLst>
           </p:cNvPr>
@@ -3495,7 +3496,7 @@
           <p:cNvPr id="11" name="Picture 10">
             <a:extLst>
               <a:ext uri="{FF2B5EF4-FFF2-40B4-BE49-F238E27FC236}">
-                <a16:creationId xmlns:a16="http://schemas.microsoft.com/office/drawing/2014/main" id="{F88E663B-EFC9-43FC-885A-A92539D20607}"/>
+                <a16:creationId xmlns:a16="http://schemas.microsoft.com/office/drawing/2014/main" xmlns="" id="{F88E663B-EFC9-43FC-885A-A92539D20607}"/>
               </a:ext>
             </a:extLst>
           </p:cNvPr>
@@ -3524,7 +3525,7 @@
           <p:cNvPr id="7" name="Picture 6">
             <a:extLst>
               <a:ext uri="{FF2B5EF4-FFF2-40B4-BE49-F238E27FC236}">
-                <a16:creationId xmlns:a16="http://schemas.microsoft.com/office/drawing/2014/main" id="{4080B8DC-A4D0-4052-B82B-DEFAF4710880}"/>
+                <a16:creationId xmlns:a16="http://schemas.microsoft.com/office/drawing/2014/main" xmlns="" id="{4080B8DC-A4D0-4052-B82B-DEFAF4710880}"/>
               </a:ext>
             </a:extLst>
           </p:cNvPr>
@@ -3554,7 +3555,7 @@
           <p:cNvPr id="3" name="Picture 2">
             <a:extLst>
               <a:ext uri="{FF2B5EF4-FFF2-40B4-BE49-F238E27FC236}">
-                <a16:creationId xmlns:a16="http://schemas.microsoft.com/office/drawing/2014/main" id="{DD7A7F6F-C76A-47EB-AE65-13D9976B2D6B}"/>
+                <a16:creationId xmlns:a16="http://schemas.microsoft.com/office/drawing/2014/main" xmlns="" id="{DD7A7F6F-C76A-47EB-AE65-13D9976B2D6B}"/>
               </a:ext>
             </a:extLst>
           </p:cNvPr>
@@ -3583,7 +3584,7 @@
           <p:cNvPr id="12" name="Picture 11">
             <a:extLst>
               <a:ext uri="{FF2B5EF4-FFF2-40B4-BE49-F238E27FC236}">
-                <a16:creationId xmlns:a16="http://schemas.microsoft.com/office/drawing/2014/main" id="{B4EC1F8C-4E52-40F5-86D9-18CAA684703A}"/>
+                <a16:creationId xmlns:a16="http://schemas.microsoft.com/office/drawing/2014/main" xmlns="" id="{B4EC1F8C-4E52-40F5-86D9-18CAA684703A}"/>
               </a:ext>
             </a:extLst>
           </p:cNvPr>
@@ -3611,6 +3612,249 @@
     <p:extLst>
       <p:ext uri="{BB962C8B-B14F-4D97-AF65-F5344CB8AC3E}">
         <p14:creationId xmlns:p14="http://schemas.microsoft.com/office/powerpoint/2010/main" val="2238301987"/>
+      </p:ext>
+    </p:extLst>
+  </p:cSld>
+  <p:clrMapOvr>
+    <a:masterClrMapping/>
+  </p:clrMapOvr>
+</p:sld>
+</file>
+
+<file path=ppt/slides/slide2.xml><?xml version="1.0" encoding="utf-8"?>
+<p:sld xmlns:a="http://schemas.openxmlformats.org/drawingml/2006/main" xmlns:r="http://schemas.openxmlformats.org/officeDocument/2006/relationships" xmlns:p="http://schemas.openxmlformats.org/presentationml/2006/main">
+  <p:cSld>
+    <p:spTree>
+      <p:nvGrpSpPr>
+        <p:cNvPr id="1" name=""/>
+        <p:cNvGrpSpPr/>
+        <p:nvPr/>
+      </p:nvGrpSpPr>
+      <p:grpSpPr>
+        <a:xfrm>
+          <a:off x="0" y="0"/>
+          <a:ext cx="0" cy="0"/>
+          <a:chOff x="0" y="0"/>
+          <a:chExt cx="0" cy="0"/>
+        </a:xfrm>
+      </p:grpSpPr>
+      <p:pic>
+        <p:nvPicPr>
+          <p:cNvPr id="13" name="Picture 12"/>
+          <p:cNvPicPr>
+            <a:picLocks noChangeAspect="1"/>
+          </p:cNvPicPr>
+          <p:nvPr/>
+        </p:nvPicPr>
+        <p:blipFill rotWithShape="1">
+          <a:blip r:embed="rId2">
+            <a:extLst>
+              <a:ext uri="{28A0092B-C50C-407E-A947-70E740481C1C}">
+                <a14:useLocalDpi xmlns:a14="http://schemas.microsoft.com/office/drawing/2010/main" val="0"/>
+              </a:ext>
+            </a:extLst>
+          </a:blip>
+          <a:srcRect l="7788" t="50026" r="50351"/>
+          <a:stretch/>
+        </p:blipFill>
+        <p:spPr>
+          <a:xfrm>
+            <a:off x="552450" y="388106"/>
+            <a:ext cx="9992546" cy="6242767"/>
+          </a:xfrm>
+          <a:prstGeom prst="rect">
+            <a:avLst/>
+          </a:prstGeom>
+        </p:spPr>
+      </p:pic>
+      <p:pic>
+        <p:nvPicPr>
+          <p:cNvPr id="6" name="Picture 5">
+            <a:extLst>
+              <a:ext uri="{FF2B5EF4-FFF2-40B4-BE49-F238E27FC236}">
+                <a16:creationId xmlns:a16="http://schemas.microsoft.com/office/drawing/2014/main" xmlns="" id="{A3393EE1-AB14-4BFB-BB35-0CA4CF24CFA2}"/>
+              </a:ext>
+            </a:extLst>
+          </p:cNvPr>
+          <p:cNvPicPr>
+            <a:picLocks noChangeAspect="1"/>
+          </p:cNvPicPr>
+          <p:nvPr/>
+        </p:nvPicPr>
+        <p:blipFill rotWithShape="1">
+          <a:blip r:embed="rId3">
+            <a:extLst>
+              <a:ext uri="{BEBA8EAE-BF5A-486C-A8C5-ECC9F3942E4B}">
+                <a14:imgProps xmlns:a14="http://schemas.microsoft.com/office/drawing/2010/main">
+                  <a14:imgLayer r:embed="rId4">
+                    <a14:imgEffect>
+                      <a14:backgroundRemoval t="12456" b="89502" l="5142" r="94504">
+                        <a14:foregroundMark x1="4610" y1="13879" x2="42199" y2="78470"/>
+                        <a14:foregroundMark x1="42199" y1="78470" x2="54787" y2="73665"/>
+                        <a14:foregroundMark x1="54787" y1="73665" x2="84043" y2="21352"/>
+                        <a14:foregroundMark x1="84043" y1="21352" x2="13298" y2="15125"/>
+                        <a14:foregroundMark x1="8333" y1="14235" x2="5319" y2="16014"/>
+                        <a14:foregroundMark x1="92199" y1="13345" x2="94149" y2="14769"/>
+                        <a14:foregroundMark x1="44858" y1="81139" x2="51596" y2="82384"/>
+                        <a14:foregroundMark x1="48759" y1="89502" x2="47518" y2="88256"/>
+                        <a14:foregroundMark x1="32624" y1="13167" x2="32624" y2="13167"/>
+                        <a14:foregroundMark x1="20390" y1="12633" x2="20390" y2="12633"/>
+                        <a14:foregroundMark x1="62589" y1="13345" x2="62589" y2="13345"/>
+                        <a14:foregroundMark x1="76418" y1="13523" x2="76418" y2="13523"/>
+                        <a14:foregroundMark x1="74291" y1="13701" x2="74291" y2="13701"/>
+                        <a14:foregroundMark x1="27660" y1="12989" x2="27660" y2="12989"/>
+                        <a14:foregroundMark x1="26950" y1="12989" x2="26950" y2="12989"/>
+                        <a14:foregroundMark x1="26596" y1="13345" x2="26596" y2="13345"/>
+                        <a14:foregroundMark x1="39894" y1="12456" x2="39894" y2="12456"/>
+                        <a14:foregroundMark x1="56738" y1="13167" x2="58511" y2="13167"/>
+                        <a14:foregroundMark x1="85106" y1="20819" x2="85106" y2="20819"/>
+                        <a14:foregroundMark x1="8511" y1="13523" x2="7979" y2="22064"/>
+                        <a14:foregroundMark x1="84929" y1="13701" x2="94504" y2="13701"/>
+                        <a14:foregroundMark x1="15426" y1="12989" x2="39007" y2="14057"/>
+                        <a14:foregroundMark x1="39007" y1="14057" x2="63298" y2="13167"/>
+                        <a14:foregroundMark x1="63298" y1="13167" x2="73582" y2="13879"/>
+                        <a14:foregroundMark x1="73582" y1="13879" x2="84929" y2="13167"/>
+                        <a14:foregroundMark x1="84929" y1="13167" x2="94326" y2="13879"/>
+                      </a14:backgroundRemoval>
+                    </a14:imgEffect>
+                  </a14:imgLayer>
+                </a14:imgProps>
+              </a:ext>
+            </a:extLst>
+          </a:blip>
+          <a:srcRect t="9574" b="7001"/>
+          <a:stretch/>
+        </p:blipFill>
+        <p:spPr>
+          <a:xfrm>
+            <a:off x="3199530" y="1783074"/>
+            <a:ext cx="4214144" cy="3503171"/>
+          </a:xfrm>
+          <a:prstGeom prst="rect">
+            <a:avLst/>
+          </a:prstGeom>
+        </p:spPr>
+      </p:pic>
+      <p:pic>
+        <p:nvPicPr>
+          <p:cNvPr id="3" name="Picture 2">
+            <a:extLst>
+              <a:ext uri="{FF2B5EF4-FFF2-40B4-BE49-F238E27FC236}">
+                <a16:creationId xmlns:a16="http://schemas.microsoft.com/office/drawing/2014/main" xmlns="" id="{DD7A7F6F-C76A-47EB-AE65-13D9976B2D6B}"/>
+              </a:ext>
+            </a:extLst>
+          </p:cNvPr>
+          <p:cNvPicPr>
+            <a:picLocks noChangeAspect="1"/>
+          </p:cNvPicPr>
+          <p:nvPr/>
+        </p:nvPicPr>
+        <p:blipFill rotWithShape="1">
+          <a:blip r:embed="rId5"/>
+          <a:srcRect b="8714"/>
+          <a:stretch/>
+        </p:blipFill>
+        <p:spPr>
+          <a:xfrm>
+            <a:off x="2650071" y="987345"/>
+            <a:ext cx="5774942" cy="2973678"/>
+          </a:xfrm>
+          <a:prstGeom prst="rect">
+            <a:avLst/>
+          </a:prstGeom>
+        </p:spPr>
+      </p:pic>
+      <p:pic>
+        <p:nvPicPr>
+          <p:cNvPr id="12" name="Picture 11">
+            <a:extLst>
+              <a:ext uri="{FF2B5EF4-FFF2-40B4-BE49-F238E27FC236}">
+                <a16:creationId xmlns:a16="http://schemas.microsoft.com/office/drawing/2014/main" xmlns="" id="{B4EC1F8C-4E52-40F5-86D9-18CAA684703A}"/>
+              </a:ext>
+            </a:extLst>
+          </p:cNvPr>
+          <p:cNvPicPr>
+            <a:picLocks noChangeAspect="1"/>
+          </p:cNvPicPr>
+          <p:nvPr/>
+        </p:nvPicPr>
+        <p:blipFill rotWithShape="1">
+          <a:blip r:embed="rId6"/>
+          <a:srcRect l="53885" t="52356" r="994" b="12204"/>
+          <a:stretch/>
+        </p:blipFill>
+        <p:spPr>
+          <a:xfrm>
+            <a:off x="2650070" y="3661812"/>
+            <a:ext cx="5774942" cy="2551436"/>
+          </a:xfrm>
+          <a:prstGeom prst="rect">
+            <a:avLst/>
+          </a:prstGeom>
+        </p:spPr>
+      </p:pic>
+      <p:pic>
+        <p:nvPicPr>
+          <p:cNvPr id="2" name="Picture 1"/>
+          <p:cNvPicPr>
+            <a:picLocks noChangeAspect="1"/>
+          </p:cNvPicPr>
+          <p:nvPr/>
+        </p:nvPicPr>
+        <p:blipFill rotWithShape="1">
+          <a:blip r:embed="rId2">
+            <a:extLst>
+              <a:ext uri="{28A0092B-C50C-407E-A947-70E740481C1C}">
+                <a14:useLocalDpi xmlns:a14="http://schemas.microsoft.com/office/drawing/2010/main" val="0"/>
+              </a:ext>
+            </a:extLst>
+          </a:blip>
+          <a:srcRect l="49893" t="52358"/>
+          <a:stretch/>
+        </p:blipFill>
+        <p:spPr>
+          <a:xfrm>
+            <a:off x="2640347" y="3334954"/>
+            <a:ext cx="5784665" cy="2878294"/>
+          </a:xfrm>
+          <a:prstGeom prst="rect">
+            <a:avLst/>
+          </a:prstGeom>
+        </p:spPr>
+      </p:pic>
+      <p:pic>
+        <p:nvPicPr>
+          <p:cNvPr id="15" name="Picture 14"/>
+          <p:cNvPicPr>
+            <a:picLocks noChangeAspect="1"/>
+          </p:cNvPicPr>
+          <p:nvPr/>
+        </p:nvPicPr>
+        <p:blipFill rotWithShape="1">
+          <a:blip r:embed="rId2">
+            <a:extLst>
+              <a:ext uri="{28A0092B-C50C-407E-A947-70E740481C1C}">
+                <a14:useLocalDpi xmlns:a14="http://schemas.microsoft.com/office/drawing/2010/main" val="0"/>
+              </a:ext>
+            </a:extLst>
+          </a:blip>
+          <a:srcRect r="50342" b="50782"/>
+          <a:stretch/>
+        </p:blipFill>
+        <p:spPr>
+          <a:xfrm>
+            <a:off x="2640348" y="1007345"/>
+            <a:ext cx="5784664" cy="3000451"/>
+          </a:xfrm>
+          <a:prstGeom prst="rect">
+            <a:avLst/>
+          </a:prstGeom>
+        </p:spPr>
+      </p:pic>
+    </p:spTree>
+    <p:extLst>
+      <p:ext uri="{BB962C8B-B14F-4D97-AF65-F5344CB8AC3E}">
+        <p14:creationId xmlns:p14="http://schemas.microsoft.com/office/powerpoint/2010/main" val="2715980724"/>
       </p:ext>
     </p:extLst>
   </p:cSld>
